--- a/miniprogram/pages/public/images/图片.pptx
+++ b/miniprogram/pages/public/images/图片.pptx
@@ -117,108 +117,13 @@
 <file path=ppt/revisionInfo.xml><?xml version="1.0" encoding="utf-8"?>
 <p1510:revInfo xmlns:a="http://schemas.openxmlformats.org/drawingml/2006/main" xmlns:r="http://schemas.openxmlformats.org/officeDocument/2006/relationships" xmlns:p1510="http://schemas.microsoft.com/office/powerpoint/2015/10/main">
   <p1510:revLst>
-    <p1510:client id="{905D7DE6-F002-4ED0-8266-49B276B2ABBF}" v="3" dt="2023-07-17T01:40:24.042"/>
+    <p1510:client id="{C40617EC-CE45-49AC-998A-AC605EF55306}" v="4" dt="2023-07-24T01:16:21.801"/>
   </p1510:revLst>
 </p1510:revInfo>
 </file>
 
 <file path=ppt/changesInfos/changesInfo1.xml><?xml version="1.0" encoding="utf-8"?>
 <pc:chgInfo xmlns:a="http://schemas.openxmlformats.org/drawingml/2006/main" xmlns:r="http://schemas.openxmlformats.org/officeDocument/2006/relationships" xmlns:ac="http://schemas.microsoft.com/office/drawing/2013/main/command" xmlns:pc="http://schemas.microsoft.com/office/powerpoint/2013/main/command">
-  <pc:docChgLst>
-    <pc:chgData name=". 狍" userId="83800a22c29ab7f6" providerId="LiveId" clId="{F38476B7-B521-4085-9CA9-7B680AAD6E16}"/>
-    <pc:docChg chg="delSld modSld">
-      <pc:chgData name=". 狍" userId="83800a22c29ab7f6" providerId="LiveId" clId="{F38476B7-B521-4085-9CA9-7B680AAD6E16}" dt="2023-07-14T07:34:11.860" v="9" actId="1076"/>
-      <pc:docMkLst>
-        <pc:docMk/>
-      </pc:docMkLst>
-      <pc:sldChg chg="del">
-        <pc:chgData name=". 狍" userId="83800a22c29ab7f6" providerId="LiveId" clId="{F38476B7-B521-4085-9CA9-7B680AAD6E16}" dt="2023-07-14T07:11:52.836" v="0" actId="47"/>
-        <pc:sldMkLst>
-          <pc:docMk/>
-          <pc:sldMk cId="1242764890" sldId="256"/>
-        </pc:sldMkLst>
-      </pc:sldChg>
-      <pc:sldChg chg="modSp mod">
-        <pc:chgData name=". 狍" userId="83800a22c29ab7f6" providerId="LiveId" clId="{F38476B7-B521-4085-9CA9-7B680AAD6E16}" dt="2023-07-14T07:34:11.860" v="9" actId="1076"/>
-        <pc:sldMkLst>
-          <pc:docMk/>
-          <pc:sldMk cId="314917570" sldId="258"/>
-        </pc:sldMkLst>
-        <pc:spChg chg="mod">
-          <ac:chgData name=". 狍" userId="83800a22c29ab7f6" providerId="LiveId" clId="{F38476B7-B521-4085-9CA9-7B680AAD6E16}" dt="2023-07-14T07:33:52.092" v="8" actId="14100"/>
-          <ac:spMkLst>
-            <pc:docMk/>
-            <pc:sldMk cId="314917570" sldId="258"/>
-            <ac:spMk id="9" creationId="{466323BE-D2D6-892C-872F-E5502721E29B}"/>
-          </ac:spMkLst>
-        </pc:spChg>
-        <pc:grpChg chg="mod">
-          <ac:chgData name=". 狍" userId="83800a22c29ab7f6" providerId="LiveId" clId="{F38476B7-B521-4085-9CA9-7B680AAD6E16}" dt="2023-07-14T07:33:43.393" v="7" actId="1038"/>
-          <ac:grpSpMkLst>
-            <pc:docMk/>
-            <pc:sldMk cId="314917570" sldId="258"/>
-            <ac:grpSpMk id="12" creationId="{C5DA04EC-9EA8-DA8D-01EF-A825A502561D}"/>
-          </ac:grpSpMkLst>
-        </pc:grpChg>
-        <pc:picChg chg="mod">
-          <ac:chgData name=". 狍" userId="83800a22c29ab7f6" providerId="LiveId" clId="{F38476B7-B521-4085-9CA9-7B680AAD6E16}" dt="2023-07-14T07:34:11.860" v="9" actId="1076"/>
-          <ac:picMkLst>
-            <pc:docMk/>
-            <pc:sldMk cId="314917570" sldId="258"/>
-            <ac:picMk id="8" creationId="{42DC9341-8400-0CD4-59E2-79C490DDFB69}"/>
-          </ac:picMkLst>
-        </pc:picChg>
-      </pc:sldChg>
-    </pc:docChg>
-  </pc:docChgLst>
-  <pc:docChgLst>
-    <pc:chgData name=". 狍" userId="83800a22c29ab7f6" providerId="LiveId" clId="{1C37B884-851C-4CBE-809D-9326B24B7DC5}"/>
-    <pc:docChg chg="undo custSel modSld">
-      <pc:chgData name=". 狍" userId="83800a22c29ab7f6" providerId="LiveId" clId="{1C37B884-851C-4CBE-809D-9326B24B7DC5}" dt="2023-07-14T07:06:50.291" v="15" actId="14100"/>
-      <pc:docMkLst>
-        <pc:docMk/>
-      </pc:docMkLst>
-      <pc:sldChg chg="modSp mod">
-        <pc:chgData name=". 狍" userId="83800a22c29ab7f6" providerId="LiveId" clId="{1C37B884-851C-4CBE-809D-9326B24B7DC5}" dt="2023-07-14T07:06:50.291" v="15" actId="14100"/>
-        <pc:sldMkLst>
-          <pc:docMk/>
-          <pc:sldMk cId="314917570" sldId="258"/>
-        </pc:sldMkLst>
-        <pc:spChg chg="mod">
-          <ac:chgData name=". 狍" userId="83800a22c29ab7f6" providerId="LiveId" clId="{1C37B884-851C-4CBE-809D-9326B24B7DC5}" dt="2023-07-14T07:06:50.291" v="15" actId="14100"/>
-          <ac:spMkLst>
-            <pc:docMk/>
-            <pc:sldMk cId="314917570" sldId="258"/>
-            <ac:spMk id="9" creationId="{466323BE-D2D6-892C-872F-E5502721E29B}"/>
-          </ac:spMkLst>
-        </pc:spChg>
-        <pc:spChg chg="mod">
-          <ac:chgData name=". 狍" userId="83800a22c29ab7f6" providerId="LiveId" clId="{1C37B884-851C-4CBE-809D-9326B24B7DC5}" dt="2023-07-14T07:06:25.363" v="12" actId="14100"/>
-          <ac:spMkLst>
-            <pc:docMk/>
-            <pc:sldMk cId="314917570" sldId="258"/>
-            <ac:spMk id="13" creationId="{7F8B736F-AE20-7FED-EB18-666CFC0E7A93}"/>
-          </ac:spMkLst>
-        </pc:spChg>
-        <pc:grpChg chg="mod ord">
-          <ac:chgData name=". 狍" userId="83800a22c29ab7f6" providerId="LiveId" clId="{1C37B884-851C-4CBE-809D-9326B24B7DC5}" dt="2023-07-14T07:06:29.018" v="13" actId="166"/>
-          <ac:grpSpMkLst>
-            <pc:docMk/>
-            <pc:sldMk cId="314917570" sldId="258"/>
-            <ac:grpSpMk id="12" creationId="{C5DA04EC-9EA8-DA8D-01EF-A825A502561D}"/>
-          </ac:grpSpMkLst>
-        </pc:grpChg>
-        <pc:picChg chg="ord">
-          <ac:chgData name=". 狍" userId="83800a22c29ab7f6" providerId="LiveId" clId="{1C37B884-851C-4CBE-809D-9326B24B7DC5}" dt="2023-07-14T07:06:12.436" v="9" actId="167"/>
-          <ac:picMkLst>
-            <pc:docMk/>
-            <pc:sldMk cId="314917570" sldId="258"/>
-            <ac:picMk id="8" creationId="{42DC9341-8400-0CD4-59E2-79C490DDFB69}"/>
-          </ac:picMkLst>
-        </pc:picChg>
-      </pc:sldChg>
-    </pc:docChg>
-  </pc:docChgLst>
   <pc:docChgLst>
     <pc:chgData name=". 狍" userId="83800a22c29ab7f6" providerId="LiveId" clId="{DCD76814-6A9C-4B8E-A051-9952F7F97E9E}"/>
     <pc:docChg chg="undo custSel addSld modSld">
@@ -402,6 +307,213 @@
       </pc:sldChg>
     </pc:docChg>
   </pc:docChgLst>
+  <pc:docChgLst>
+    <pc:chgData name=". 狍" userId="83800a22c29ab7f6" providerId="LiveId" clId="{F38476B7-B521-4085-9CA9-7B680AAD6E16}"/>
+    <pc:docChg chg="delSld modSld">
+      <pc:chgData name=". 狍" userId="83800a22c29ab7f6" providerId="LiveId" clId="{F38476B7-B521-4085-9CA9-7B680AAD6E16}" dt="2023-07-14T07:34:11.860" v="9" actId="1076"/>
+      <pc:docMkLst>
+        <pc:docMk/>
+      </pc:docMkLst>
+      <pc:sldChg chg="del">
+        <pc:chgData name=". 狍" userId="83800a22c29ab7f6" providerId="LiveId" clId="{F38476B7-B521-4085-9CA9-7B680AAD6E16}" dt="2023-07-14T07:11:52.836" v="0" actId="47"/>
+        <pc:sldMkLst>
+          <pc:docMk/>
+          <pc:sldMk cId="1242764890" sldId="256"/>
+        </pc:sldMkLst>
+      </pc:sldChg>
+      <pc:sldChg chg="modSp mod">
+        <pc:chgData name=". 狍" userId="83800a22c29ab7f6" providerId="LiveId" clId="{F38476B7-B521-4085-9CA9-7B680AAD6E16}" dt="2023-07-14T07:34:11.860" v="9" actId="1076"/>
+        <pc:sldMkLst>
+          <pc:docMk/>
+          <pc:sldMk cId="314917570" sldId="258"/>
+        </pc:sldMkLst>
+        <pc:spChg chg="mod">
+          <ac:chgData name=". 狍" userId="83800a22c29ab7f6" providerId="LiveId" clId="{F38476B7-B521-4085-9CA9-7B680AAD6E16}" dt="2023-07-14T07:33:52.092" v="8" actId="14100"/>
+          <ac:spMkLst>
+            <pc:docMk/>
+            <pc:sldMk cId="314917570" sldId="258"/>
+            <ac:spMk id="9" creationId="{466323BE-D2D6-892C-872F-E5502721E29B}"/>
+          </ac:spMkLst>
+        </pc:spChg>
+        <pc:grpChg chg="mod">
+          <ac:chgData name=". 狍" userId="83800a22c29ab7f6" providerId="LiveId" clId="{F38476B7-B521-4085-9CA9-7B680AAD6E16}" dt="2023-07-14T07:33:43.393" v="7" actId="1038"/>
+          <ac:grpSpMkLst>
+            <pc:docMk/>
+            <pc:sldMk cId="314917570" sldId="258"/>
+            <ac:grpSpMk id="12" creationId="{C5DA04EC-9EA8-DA8D-01EF-A825A502561D}"/>
+          </ac:grpSpMkLst>
+        </pc:grpChg>
+        <pc:picChg chg="mod">
+          <ac:chgData name=". 狍" userId="83800a22c29ab7f6" providerId="LiveId" clId="{F38476B7-B521-4085-9CA9-7B680AAD6E16}" dt="2023-07-14T07:34:11.860" v="9" actId="1076"/>
+          <ac:picMkLst>
+            <pc:docMk/>
+            <pc:sldMk cId="314917570" sldId="258"/>
+            <ac:picMk id="8" creationId="{42DC9341-8400-0CD4-59E2-79C490DDFB69}"/>
+          </ac:picMkLst>
+        </pc:picChg>
+      </pc:sldChg>
+    </pc:docChg>
+  </pc:docChgLst>
+  <pc:docChgLst>
+    <pc:chgData name=". 狍" userId="83800a22c29ab7f6" providerId="LiveId" clId="{1C37B884-851C-4CBE-809D-9326B24B7DC5}"/>
+    <pc:docChg chg="undo custSel modSld">
+      <pc:chgData name=". 狍" userId="83800a22c29ab7f6" providerId="LiveId" clId="{1C37B884-851C-4CBE-809D-9326B24B7DC5}" dt="2023-07-14T07:06:50.291" v="15" actId="14100"/>
+      <pc:docMkLst>
+        <pc:docMk/>
+      </pc:docMkLst>
+      <pc:sldChg chg="modSp mod">
+        <pc:chgData name=". 狍" userId="83800a22c29ab7f6" providerId="LiveId" clId="{1C37B884-851C-4CBE-809D-9326B24B7DC5}" dt="2023-07-14T07:06:50.291" v="15" actId="14100"/>
+        <pc:sldMkLst>
+          <pc:docMk/>
+          <pc:sldMk cId="314917570" sldId="258"/>
+        </pc:sldMkLst>
+        <pc:spChg chg="mod">
+          <ac:chgData name=". 狍" userId="83800a22c29ab7f6" providerId="LiveId" clId="{1C37B884-851C-4CBE-809D-9326B24B7DC5}" dt="2023-07-14T07:06:50.291" v="15" actId="14100"/>
+          <ac:spMkLst>
+            <pc:docMk/>
+            <pc:sldMk cId="314917570" sldId="258"/>
+            <ac:spMk id="9" creationId="{466323BE-D2D6-892C-872F-E5502721E29B}"/>
+          </ac:spMkLst>
+        </pc:spChg>
+        <pc:spChg chg="mod">
+          <ac:chgData name=". 狍" userId="83800a22c29ab7f6" providerId="LiveId" clId="{1C37B884-851C-4CBE-809D-9326B24B7DC5}" dt="2023-07-14T07:06:25.363" v="12" actId="14100"/>
+          <ac:spMkLst>
+            <pc:docMk/>
+            <pc:sldMk cId="314917570" sldId="258"/>
+            <ac:spMk id="13" creationId="{7F8B736F-AE20-7FED-EB18-666CFC0E7A93}"/>
+          </ac:spMkLst>
+        </pc:spChg>
+        <pc:grpChg chg="mod ord">
+          <ac:chgData name=". 狍" userId="83800a22c29ab7f6" providerId="LiveId" clId="{1C37B884-851C-4CBE-809D-9326B24B7DC5}" dt="2023-07-14T07:06:29.018" v="13" actId="166"/>
+          <ac:grpSpMkLst>
+            <pc:docMk/>
+            <pc:sldMk cId="314917570" sldId="258"/>
+            <ac:grpSpMk id="12" creationId="{C5DA04EC-9EA8-DA8D-01EF-A825A502561D}"/>
+          </ac:grpSpMkLst>
+        </pc:grpChg>
+        <pc:picChg chg="ord">
+          <ac:chgData name=". 狍" userId="83800a22c29ab7f6" providerId="LiveId" clId="{1C37B884-851C-4CBE-809D-9326B24B7DC5}" dt="2023-07-14T07:06:12.436" v="9" actId="167"/>
+          <ac:picMkLst>
+            <pc:docMk/>
+            <pc:sldMk cId="314917570" sldId="258"/>
+            <ac:picMk id="8" creationId="{42DC9341-8400-0CD4-59E2-79C490DDFB69}"/>
+          </ac:picMkLst>
+        </pc:picChg>
+      </pc:sldChg>
+    </pc:docChg>
+  </pc:docChgLst>
+  <pc:docChgLst>
+    <pc:chgData name=". 狍" userId="83800a22c29ab7f6" providerId="LiveId" clId="{C40617EC-CE45-49AC-998A-AC605EF55306}"/>
+    <pc:docChg chg="undo custSel modSld">
+      <pc:chgData name=". 狍" userId="83800a22c29ab7f6" providerId="LiveId" clId="{C40617EC-CE45-49AC-998A-AC605EF55306}" dt="2023-07-24T01:16:36.416" v="42" actId="1076"/>
+      <pc:docMkLst>
+        <pc:docMk/>
+      </pc:docMkLst>
+      <pc:sldChg chg="addSp modSp mod">
+        <pc:chgData name=". 狍" userId="83800a22c29ab7f6" providerId="LiveId" clId="{C40617EC-CE45-49AC-998A-AC605EF55306}" dt="2023-07-24T01:16:36.416" v="42" actId="1076"/>
+        <pc:sldMkLst>
+          <pc:docMk/>
+          <pc:sldMk cId="4291455184" sldId="257"/>
+        </pc:sldMkLst>
+        <pc:spChg chg="mod">
+          <ac:chgData name=". 狍" userId="83800a22c29ab7f6" providerId="LiveId" clId="{C40617EC-CE45-49AC-998A-AC605EF55306}" dt="2023-07-24T01:10:29.725" v="3" actId="1076"/>
+          <ac:spMkLst>
+            <pc:docMk/>
+            <pc:sldMk cId="4291455184" sldId="257"/>
+            <ac:spMk id="12" creationId="{0A573369-2AD4-FDD4-EB8D-45765F964111}"/>
+          </ac:spMkLst>
+        </pc:spChg>
+        <pc:spChg chg="mod">
+          <ac:chgData name=". 狍" userId="83800a22c29ab7f6" providerId="LiveId" clId="{C40617EC-CE45-49AC-998A-AC605EF55306}" dt="2023-07-24T01:13:57.594" v="19" actId="14826"/>
+          <ac:spMkLst>
+            <pc:docMk/>
+            <pc:sldMk cId="4291455184" sldId="257"/>
+            <ac:spMk id="28" creationId="{D8632765-0347-A171-EB9E-07F84DB2DD1E}"/>
+          </ac:spMkLst>
+        </pc:spChg>
+        <pc:spChg chg="mod">
+          <ac:chgData name=". 狍" userId="83800a22c29ab7f6" providerId="LiveId" clId="{C40617EC-CE45-49AC-998A-AC605EF55306}" dt="2023-07-24T01:13:57.594" v="19" actId="14826"/>
+          <ac:spMkLst>
+            <pc:docMk/>
+            <pc:sldMk cId="4291455184" sldId="257"/>
+            <ac:spMk id="30" creationId="{B7C1E0FC-1670-2170-AC81-81DB650B1222}"/>
+          </ac:spMkLst>
+        </pc:spChg>
+        <pc:spChg chg="mod">
+          <ac:chgData name=". 狍" userId="83800a22c29ab7f6" providerId="LiveId" clId="{C40617EC-CE45-49AC-998A-AC605EF55306}" dt="2023-07-24T01:13:57.594" v="19" actId="14826"/>
+          <ac:spMkLst>
+            <pc:docMk/>
+            <pc:sldMk cId="4291455184" sldId="257"/>
+            <ac:spMk id="31" creationId="{4DBABBC1-7190-4623-93D0-9B43C82247E2}"/>
+          </ac:spMkLst>
+        </pc:spChg>
+        <pc:spChg chg="mod">
+          <ac:chgData name=". 狍" userId="83800a22c29ab7f6" providerId="LiveId" clId="{C40617EC-CE45-49AC-998A-AC605EF55306}" dt="2023-07-24T01:16:21.800" v="38" actId="14826"/>
+          <ac:spMkLst>
+            <pc:docMk/>
+            <pc:sldMk cId="4291455184" sldId="257"/>
+            <ac:spMk id="33" creationId="{5061E40B-45C4-F0B9-71EA-2EA3C8D2177C}"/>
+          </ac:spMkLst>
+        </pc:spChg>
+        <pc:spChg chg="mod">
+          <ac:chgData name=". 狍" userId="83800a22c29ab7f6" providerId="LiveId" clId="{C40617EC-CE45-49AC-998A-AC605EF55306}" dt="2023-07-24T01:16:21.800" v="38" actId="14826"/>
+          <ac:spMkLst>
+            <pc:docMk/>
+            <pc:sldMk cId="4291455184" sldId="257"/>
+            <ac:spMk id="35" creationId="{71414FCB-458D-EE3E-8F2C-9B4871204A2A}"/>
+          </ac:spMkLst>
+        </pc:spChg>
+        <pc:spChg chg="mod">
+          <ac:chgData name=". 狍" userId="83800a22c29ab7f6" providerId="LiveId" clId="{C40617EC-CE45-49AC-998A-AC605EF55306}" dt="2023-07-24T01:16:21.800" v="38" actId="14826"/>
+          <ac:spMkLst>
+            <pc:docMk/>
+            <pc:sldMk cId="4291455184" sldId="257"/>
+            <ac:spMk id="36" creationId="{7D6DBFC6-0F1D-130F-13A9-77DC71D59956}"/>
+          </ac:spMkLst>
+        </pc:spChg>
+        <pc:grpChg chg="mod">
+          <ac:chgData name=". 狍" userId="83800a22c29ab7f6" providerId="LiveId" clId="{C40617EC-CE45-49AC-998A-AC605EF55306}" dt="2023-07-24T01:16:03.487" v="20" actId="1076"/>
+          <ac:grpSpMkLst>
+            <pc:docMk/>
+            <pc:sldMk cId="4291455184" sldId="257"/>
+            <ac:grpSpMk id="11" creationId="{EBDC3515-5124-CB8B-6CCB-47E57AB280EC}"/>
+          </ac:grpSpMkLst>
+        </pc:grpChg>
+        <pc:grpChg chg="add mod">
+          <ac:chgData name=". 狍" userId="83800a22c29ab7f6" providerId="LiveId" clId="{C40617EC-CE45-49AC-998A-AC605EF55306}" dt="2023-07-24T01:13:57.594" v="19" actId="14826"/>
+          <ac:grpSpMkLst>
+            <pc:docMk/>
+            <pc:sldMk cId="4291455184" sldId="257"/>
+            <ac:grpSpMk id="27" creationId="{0D96B700-A4C6-EA19-855B-1460A004B888}"/>
+          </ac:grpSpMkLst>
+        </pc:grpChg>
+        <pc:grpChg chg="add mod">
+          <ac:chgData name=". 狍" userId="83800a22c29ab7f6" providerId="LiveId" clId="{C40617EC-CE45-49AC-998A-AC605EF55306}" dt="2023-07-24T01:16:21.800" v="38" actId="14826"/>
+          <ac:grpSpMkLst>
+            <pc:docMk/>
+            <pc:sldMk cId="4291455184" sldId="257"/>
+            <ac:grpSpMk id="32" creationId="{6601FDF3-B216-513C-6B52-DD40D93B8B51}"/>
+          </ac:grpSpMkLst>
+        </pc:grpChg>
+        <pc:picChg chg="mod">
+          <ac:chgData name=". 狍" userId="83800a22c29ab7f6" providerId="LiveId" clId="{C40617EC-CE45-49AC-998A-AC605EF55306}" dt="2023-07-24T01:13:57.594" v="19" actId="14826"/>
+          <ac:picMkLst>
+            <pc:docMk/>
+            <pc:sldMk cId="4291455184" sldId="257"/>
+            <ac:picMk id="29" creationId="{2DEC8DE7-C00A-71FF-EE76-42D85003A908}"/>
+          </ac:picMkLst>
+        </pc:picChg>
+        <pc:picChg chg="mod">
+          <ac:chgData name=". 狍" userId="83800a22c29ab7f6" providerId="LiveId" clId="{C40617EC-CE45-49AC-998A-AC605EF55306}" dt="2023-07-24T01:16:36.416" v="42" actId="1076"/>
+          <ac:picMkLst>
+            <pc:docMk/>
+            <pc:sldMk cId="4291455184" sldId="257"/>
+            <ac:picMk id="34" creationId="{D4A634CD-7C50-20AC-37BD-375A521E1906}"/>
+          </ac:picMkLst>
+        </pc:picChg>
+      </pc:sldChg>
+    </pc:docChg>
+  </pc:docChgLst>
 </pc:chgInfo>
 </file>
 
@@ -536,7 +648,7 @@
           <a:p>
             <a:fld id="{EBF835D4-B51F-4F06-9365-120F9D7A6BF3}" type="datetimeFigureOut">
               <a:rPr lang="zh-CN" altLang="en-US" smtClean="0"/>
-              <a:t>2023/7/23</a:t>
+              <a:t>2023/7/24</a:t>
             </a:fld>
             <a:endParaRPr lang="zh-CN" altLang="en-US"/>
           </a:p>
@@ -706,7 +818,7 @@
           <a:p>
             <a:fld id="{EBF835D4-B51F-4F06-9365-120F9D7A6BF3}" type="datetimeFigureOut">
               <a:rPr lang="zh-CN" altLang="en-US" smtClean="0"/>
-              <a:t>2023/7/23</a:t>
+              <a:t>2023/7/24</a:t>
             </a:fld>
             <a:endParaRPr lang="zh-CN" altLang="en-US"/>
           </a:p>
@@ -886,7 +998,7 @@
           <a:p>
             <a:fld id="{EBF835D4-B51F-4F06-9365-120F9D7A6BF3}" type="datetimeFigureOut">
               <a:rPr lang="zh-CN" altLang="en-US" smtClean="0"/>
-              <a:t>2023/7/23</a:t>
+              <a:t>2023/7/24</a:t>
             </a:fld>
             <a:endParaRPr lang="zh-CN" altLang="en-US"/>
           </a:p>
@@ -1056,7 +1168,7 @@
           <a:p>
             <a:fld id="{EBF835D4-B51F-4F06-9365-120F9D7A6BF3}" type="datetimeFigureOut">
               <a:rPr lang="zh-CN" altLang="en-US" smtClean="0"/>
-              <a:t>2023/7/23</a:t>
+              <a:t>2023/7/24</a:t>
             </a:fld>
             <a:endParaRPr lang="zh-CN" altLang="en-US"/>
           </a:p>
@@ -1300,7 +1412,7 @@
           <a:p>
             <a:fld id="{EBF835D4-B51F-4F06-9365-120F9D7A6BF3}" type="datetimeFigureOut">
               <a:rPr lang="zh-CN" altLang="en-US" smtClean="0"/>
-              <a:t>2023/7/23</a:t>
+              <a:t>2023/7/24</a:t>
             </a:fld>
             <a:endParaRPr lang="zh-CN" altLang="en-US"/>
           </a:p>
@@ -1532,7 +1644,7 @@
           <a:p>
             <a:fld id="{EBF835D4-B51F-4F06-9365-120F9D7A6BF3}" type="datetimeFigureOut">
               <a:rPr lang="zh-CN" altLang="en-US" smtClean="0"/>
-              <a:t>2023/7/23</a:t>
+              <a:t>2023/7/24</a:t>
             </a:fld>
             <a:endParaRPr lang="zh-CN" altLang="en-US"/>
           </a:p>
@@ -1899,7 +2011,7 @@
           <a:p>
             <a:fld id="{EBF835D4-B51F-4F06-9365-120F9D7A6BF3}" type="datetimeFigureOut">
               <a:rPr lang="zh-CN" altLang="en-US" smtClean="0"/>
-              <a:t>2023/7/23</a:t>
+              <a:t>2023/7/24</a:t>
             </a:fld>
             <a:endParaRPr lang="zh-CN" altLang="en-US"/>
           </a:p>
@@ -2017,7 +2129,7 @@
           <a:p>
             <a:fld id="{EBF835D4-B51F-4F06-9365-120F9D7A6BF3}" type="datetimeFigureOut">
               <a:rPr lang="zh-CN" altLang="en-US" smtClean="0"/>
-              <a:t>2023/7/23</a:t>
+              <a:t>2023/7/24</a:t>
             </a:fld>
             <a:endParaRPr lang="zh-CN" altLang="en-US"/>
           </a:p>
@@ -2112,7 +2224,7 @@
           <a:p>
             <a:fld id="{EBF835D4-B51F-4F06-9365-120F9D7A6BF3}" type="datetimeFigureOut">
               <a:rPr lang="zh-CN" altLang="en-US" smtClean="0"/>
-              <a:t>2023/7/23</a:t>
+              <a:t>2023/7/24</a:t>
             </a:fld>
             <a:endParaRPr lang="zh-CN" altLang="en-US"/>
           </a:p>
@@ -2389,7 +2501,7 @@
           <a:p>
             <a:fld id="{EBF835D4-B51F-4F06-9365-120F9D7A6BF3}" type="datetimeFigureOut">
               <a:rPr lang="zh-CN" altLang="en-US" smtClean="0"/>
-              <a:t>2023/7/23</a:t>
+              <a:t>2023/7/24</a:t>
             </a:fld>
             <a:endParaRPr lang="zh-CN" altLang="en-US"/>
           </a:p>
@@ -2646,7 +2758,7 @@
           <a:p>
             <a:fld id="{EBF835D4-B51F-4F06-9365-120F9D7A6BF3}" type="datetimeFigureOut">
               <a:rPr lang="zh-CN" altLang="en-US" smtClean="0"/>
-              <a:t>2023/7/23</a:t>
+              <a:t>2023/7/24</a:t>
             </a:fld>
             <a:endParaRPr lang="zh-CN" altLang="en-US"/>
           </a:p>
@@ -2859,7 +2971,7 @@
           <a:p>
             <a:fld id="{EBF835D4-B51F-4F06-9365-120F9D7A6BF3}" type="datetimeFigureOut">
               <a:rPr lang="zh-CN" altLang="en-US" smtClean="0"/>
-              <a:t>2023/7/23</a:t>
+              <a:t>2023/7/24</a:t>
             </a:fld>
             <a:endParaRPr lang="zh-CN" altLang="en-US"/>
           </a:p>
@@ -5132,10 +5244,10 @@
         </p:nvGrpSpPr>
         <p:grpSpPr>
           <a:xfrm>
-            <a:off x="3787369" y="4118420"/>
-            <a:ext cx="2948369" cy="1626070"/>
+            <a:off x="3443040" y="3576655"/>
+            <a:ext cx="2948370" cy="1626070"/>
             <a:chOff x="2505527" y="1076445"/>
-            <a:chExt cx="2808590" cy="1548980"/>
+            <a:chExt cx="2808591" cy="1548980"/>
           </a:xfrm>
         </p:grpSpPr>
         <p:sp>
@@ -5152,7 +5264,7 @@
           </p:nvSpPr>
           <p:spPr>
             <a:xfrm>
-              <a:off x="2505527" y="1076445"/>
+              <a:off x="2505528" y="1076445"/>
               <a:ext cx="2808590" cy="1548980"/>
             </a:xfrm>
             <a:prstGeom prst="rect">
@@ -5186,7 +5298,7 @@
             <a:lstStyle/>
             <a:p>
               <a:pPr algn="ctr"/>
-              <a:endParaRPr lang="zh-CN" altLang="en-US" sz="1890"/>
+              <a:endParaRPr lang="zh-CN" altLang="en-US" sz="1890" dirty="0"/>
             </a:p>
           </p:txBody>
         </p:sp>
@@ -5917,6 +6029,404 @@
           </p:txBody>
         </p:sp>
       </p:grpSp>
+      <p:grpSp>
+        <p:nvGrpSpPr>
+          <p:cNvPr id="27" name="组合 26">
+            <a:extLst>
+              <a:ext uri="{FF2B5EF4-FFF2-40B4-BE49-F238E27FC236}">
+                <a16:creationId xmlns:a16="http://schemas.microsoft.com/office/drawing/2014/main" id="{0D96B700-A4C6-EA19-855B-1460A004B888}"/>
+              </a:ext>
+            </a:extLst>
+          </p:cNvPr>
+          <p:cNvGrpSpPr/>
+          <p:nvPr/>
+        </p:nvGrpSpPr>
+        <p:grpSpPr>
+          <a:xfrm>
+            <a:off x="-3903525" y="947103"/>
+            <a:ext cx="2948369" cy="1626070"/>
+            <a:chOff x="2505527" y="1076445"/>
+            <a:chExt cx="2808590" cy="1548980"/>
+          </a:xfrm>
+        </p:grpSpPr>
+        <p:sp>
+          <p:nvSpPr>
+            <p:cNvPr id="28" name="矩形 27">
+              <a:extLst>
+                <a:ext uri="{FF2B5EF4-FFF2-40B4-BE49-F238E27FC236}">
+                  <a16:creationId xmlns:a16="http://schemas.microsoft.com/office/drawing/2014/main" id="{D8632765-0347-A171-EB9E-07F84DB2DD1E}"/>
+                </a:ext>
+              </a:extLst>
+            </p:cNvPr>
+            <p:cNvSpPr/>
+            <p:nvPr/>
+          </p:nvSpPr>
+          <p:spPr>
+            <a:xfrm>
+              <a:off x="2505527" y="1076445"/>
+              <a:ext cx="2808590" cy="1548980"/>
+            </a:xfrm>
+            <a:prstGeom prst="rect">
+              <a:avLst/>
+            </a:prstGeom>
+            <a:solidFill>
+              <a:schemeClr val="bg1"/>
+            </a:solidFill>
+            <a:ln>
+              <a:noFill/>
+            </a:ln>
+          </p:spPr>
+          <p:style>
+            <a:lnRef idx="2">
+              <a:schemeClr val="accent1">
+                <a:shade val="15000"/>
+              </a:schemeClr>
+            </a:lnRef>
+            <a:fillRef idx="1">
+              <a:schemeClr val="accent1"/>
+            </a:fillRef>
+            <a:effectRef idx="0">
+              <a:schemeClr val="accent1"/>
+            </a:effectRef>
+            <a:fontRef idx="minor">
+              <a:schemeClr val="lt1"/>
+            </a:fontRef>
+          </p:style>
+          <p:txBody>
+            <a:bodyPr rtlCol="0" anchor="ctr"/>
+            <a:lstStyle/>
+            <a:p>
+              <a:pPr algn="ctr"/>
+              <a:endParaRPr lang="zh-CN" altLang="en-US" sz="1890"/>
+            </a:p>
+          </p:txBody>
+        </p:sp>
+        <p:pic>
+          <p:nvPicPr>
+            <p:cNvPr id="29" name="图片 28">
+              <a:extLst>
+                <a:ext uri="{FF2B5EF4-FFF2-40B4-BE49-F238E27FC236}">
+                  <a16:creationId xmlns:a16="http://schemas.microsoft.com/office/drawing/2014/main" id="{2DEC8DE7-C00A-71FF-EE76-42D85003A908}"/>
+                </a:ext>
+              </a:extLst>
+            </p:cNvPr>
+            <p:cNvPicPr>
+              <a:picLocks noChangeAspect="1"/>
+            </p:cNvPicPr>
+            <p:nvPr/>
+          </p:nvPicPr>
+          <p:blipFill>
+            <a:blip r:embed="rId7">
+              <a:extLst>
+                <a:ext uri="{28A0092B-C50C-407E-A947-70E740481C1C}">
+                  <a14:useLocalDpi xmlns:a14="http://schemas.microsoft.com/office/drawing/2010/main" val="0"/>
+                </a:ext>
+              </a:extLst>
+            </a:blip>
+            <a:srcRect/>
+            <a:stretch/>
+          </p:blipFill>
+          <p:spPr>
+            <a:xfrm>
+              <a:off x="3601817" y="1240303"/>
+              <a:ext cx="616004" cy="616005"/>
+            </a:xfrm>
+            <a:prstGeom prst="rect">
+              <a:avLst/>
+            </a:prstGeom>
+          </p:spPr>
+        </p:pic>
+        <p:sp>
+          <p:nvSpPr>
+            <p:cNvPr id="30" name="文本框 29">
+              <a:extLst>
+                <a:ext uri="{FF2B5EF4-FFF2-40B4-BE49-F238E27FC236}">
+                  <a16:creationId xmlns:a16="http://schemas.microsoft.com/office/drawing/2014/main" id="{B7C1E0FC-1670-2170-AC81-81DB650B1222}"/>
+                </a:ext>
+              </a:extLst>
+            </p:cNvPr>
+            <p:cNvSpPr txBox="1"/>
+            <p:nvPr/>
+          </p:nvSpPr>
+          <p:spPr>
+            <a:xfrm>
+              <a:off x="3253920" y="1941575"/>
+              <a:ext cx="1311797" cy="395800"/>
+            </a:xfrm>
+            <a:prstGeom prst="rect">
+              <a:avLst/>
+            </a:prstGeom>
+            <a:noFill/>
+          </p:spPr>
+          <p:txBody>
+            <a:bodyPr wrap="square" rtlCol="0">
+              <a:spAutoFit/>
+            </a:bodyPr>
+            <a:lstStyle/>
+            <a:p>
+              <a:pPr algn="ctr"/>
+              <a:r>
+                <a:rPr lang="zh-CN" altLang="en-US" sz="2100" dirty="0">
+                  <a:latin typeface="方正小标宋简体" panose="03000509000000000000" pitchFamily="65" charset="-122"/>
+                  <a:ea typeface="方正小标宋简体" panose="03000509000000000000" pitchFamily="65" charset="-122"/>
+                </a:rPr>
+                <a:t>程序开发</a:t>
+              </a:r>
+            </a:p>
+          </p:txBody>
+        </p:sp>
+        <p:sp>
+          <p:nvSpPr>
+            <p:cNvPr id="31" name="矩形 30">
+              <a:extLst>
+                <a:ext uri="{FF2B5EF4-FFF2-40B4-BE49-F238E27FC236}">
+                  <a16:creationId xmlns:a16="http://schemas.microsoft.com/office/drawing/2014/main" id="{4DBABBC1-7190-4623-93D0-9B43C82247E2}"/>
+                </a:ext>
+              </a:extLst>
+            </p:cNvPr>
+            <p:cNvSpPr/>
+            <p:nvPr/>
+          </p:nvSpPr>
+          <p:spPr>
+            <a:xfrm>
+              <a:off x="2505527" y="2541959"/>
+              <a:ext cx="2808590" cy="79833"/>
+            </a:xfrm>
+            <a:prstGeom prst="rect">
+              <a:avLst/>
+            </a:prstGeom>
+            <a:solidFill>
+              <a:srgbClr val="0C5F03"/>
+            </a:solidFill>
+            <a:ln>
+              <a:noFill/>
+            </a:ln>
+          </p:spPr>
+          <p:style>
+            <a:lnRef idx="2">
+              <a:schemeClr val="accent1">
+                <a:shade val="15000"/>
+              </a:schemeClr>
+            </a:lnRef>
+            <a:fillRef idx="1">
+              <a:schemeClr val="accent1"/>
+            </a:fillRef>
+            <a:effectRef idx="0">
+              <a:schemeClr val="accent1"/>
+            </a:effectRef>
+            <a:fontRef idx="minor">
+              <a:schemeClr val="lt1"/>
+            </a:fontRef>
+          </p:style>
+          <p:txBody>
+            <a:bodyPr rtlCol="0" anchor="ctr"/>
+            <a:lstStyle/>
+            <a:p>
+              <a:pPr algn="ctr"/>
+              <a:endParaRPr lang="zh-CN" altLang="en-US" sz="1890"/>
+            </a:p>
+          </p:txBody>
+        </p:sp>
+      </p:grpSp>
+      <p:grpSp>
+        <p:nvGrpSpPr>
+          <p:cNvPr id="32" name="组合 31">
+            <a:extLst>
+              <a:ext uri="{FF2B5EF4-FFF2-40B4-BE49-F238E27FC236}">
+                <a16:creationId xmlns:a16="http://schemas.microsoft.com/office/drawing/2014/main" id="{6601FDF3-B216-513C-6B52-DD40D93B8B51}"/>
+              </a:ext>
+            </a:extLst>
+          </p:cNvPr>
+          <p:cNvGrpSpPr/>
+          <p:nvPr/>
+        </p:nvGrpSpPr>
+        <p:grpSpPr>
+          <a:xfrm>
+            <a:off x="6756612" y="3586481"/>
+            <a:ext cx="2948370" cy="1639246"/>
+            <a:chOff x="2505527" y="1063894"/>
+            <a:chExt cx="2808591" cy="1561531"/>
+          </a:xfrm>
+        </p:grpSpPr>
+        <p:sp>
+          <p:nvSpPr>
+            <p:cNvPr id="33" name="矩形 32">
+              <a:extLst>
+                <a:ext uri="{FF2B5EF4-FFF2-40B4-BE49-F238E27FC236}">
+                  <a16:creationId xmlns:a16="http://schemas.microsoft.com/office/drawing/2014/main" id="{5061E40B-45C4-F0B9-71EA-2EA3C8D2177C}"/>
+                </a:ext>
+              </a:extLst>
+            </p:cNvPr>
+            <p:cNvSpPr/>
+            <p:nvPr/>
+          </p:nvSpPr>
+          <p:spPr>
+            <a:xfrm>
+              <a:off x="2505528" y="1076445"/>
+              <a:ext cx="2808590" cy="1548980"/>
+            </a:xfrm>
+            <a:prstGeom prst="rect">
+              <a:avLst/>
+            </a:prstGeom>
+            <a:solidFill>
+              <a:schemeClr val="bg1"/>
+            </a:solidFill>
+            <a:ln>
+              <a:noFill/>
+            </a:ln>
+          </p:spPr>
+          <p:style>
+            <a:lnRef idx="2">
+              <a:schemeClr val="accent1">
+                <a:shade val="15000"/>
+              </a:schemeClr>
+            </a:lnRef>
+            <a:fillRef idx="1">
+              <a:schemeClr val="accent1"/>
+            </a:fillRef>
+            <a:effectRef idx="0">
+              <a:schemeClr val="accent1"/>
+            </a:effectRef>
+            <a:fontRef idx="minor">
+              <a:schemeClr val="lt1"/>
+            </a:fontRef>
+          </p:style>
+          <p:txBody>
+            <a:bodyPr rtlCol="0" anchor="ctr"/>
+            <a:lstStyle/>
+            <a:p>
+              <a:pPr algn="ctr"/>
+              <a:endParaRPr lang="zh-CN" altLang="en-US" sz="1890" dirty="0"/>
+            </a:p>
+          </p:txBody>
+        </p:sp>
+        <p:pic>
+          <p:nvPicPr>
+            <p:cNvPr id="34" name="图片 33">
+              <a:extLst>
+                <a:ext uri="{FF2B5EF4-FFF2-40B4-BE49-F238E27FC236}">
+                  <a16:creationId xmlns:a16="http://schemas.microsoft.com/office/drawing/2014/main" id="{D4A634CD-7C50-20AC-37BD-375A521E1906}"/>
+                </a:ext>
+              </a:extLst>
+            </p:cNvPr>
+            <p:cNvPicPr>
+              <a:picLocks noChangeAspect="1"/>
+            </p:cNvPicPr>
+            <p:nvPr/>
+          </p:nvPicPr>
+          <p:blipFill>
+            <a:blip r:embed="rId8">
+              <a:extLst>
+                <a:ext uri="{28A0092B-C50C-407E-A947-70E740481C1C}">
+                  <a14:useLocalDpi xmlns:a14="http://schemas.microsoft.com/office/drawing/2010/main" val="0"/>
+                </a:ext>
+              </a:extLst>
+            </a:blip>
+            <a:srcRect/>
+            <a:stretch/>
+          </p:blipFill>
+          <p:spPr>
+            <a:xfrm>
+              <a:off x="3447317" y="1063894"/>
+              <a:ext cx="925002" cy="925002"/>
+            </a:xfrm>
+            <a:prstGeom prst="rect">
+              <a:avLst/>
+            </a:prstGeom>
+          </p:spPr>
+        </p:pic>
+        <p:sp>
+          <p:nvSpPr>
+            <p:cNvPr id="35" name="文本框 34">
+              <a:extLst>
+                <a:ext uri="{FF2B5EF4-FFF2-40B4-BE49-F238E27FC236}">
+                  <a16:creationId xmlns:a16="http://schemas.microsoft.com/office/drawing/2014/main" id="{71414FCB-458D-EE3E-8F2C-9B4871204A2A}"/>
+                </a:ext>
+              </a:extLst>
+            </p:cNvPr>
+            <p:cNvSpPr txBox="1"/>
+            <p:nvPr/>
+          </p:nvSpPr>
+          <p:spPr>
+            <a:xfrm>
+              <a:off x="3253920" y="1941575"/>
+              <a:ext cx="1311797" cy="395800"/>
+            </a:xfrm>
+            <a:prstGeom prst="rect">
+              <a:avLst/>
+            </a:prstGeom>
+            <a:noFill/>
+          </p:spPr>
+          <p:txBody>
+            <a:bodyPr wrap="square" rtlCol="0">
+              <a:spAutoFit/>
+            </a:bodyPr>
+            <a:lstStyle/>
+            <a:p>
+              <a:pPr algn="ctr"/>
+              <a:r>
+                <a:rPr lang="zh-CN" altLang="en-US" sz="2100" dirty="0">
+                  <a:latin typeface="方正小标宋简体" panose="03000509000000000000" pitchFamily="65" charset="-122"/>
+                  <a:ea typeface="方正小标宋简体" panose="03000509000000000000" pitchFamily="65" charset="-122"/>
+                </a:rPr>
+                <a:t>投喂罐头</a:t>
+              </a:r>
+            </a:p>
+          </p:txBody>
+        </p:sp>
+        <p:sp>
+          <p:nvSpPr>
+            <p:cNvPr id="36" name="矩形 35">
+              <a:extLst>
+                <a:ext uri="{FF2B5EF4-FFF2-40B4-BE49-F238E27FC236}">
+                  <a16:creationId xmlns:a16="http://schemas.microsoft.com/office/drawing/2014/main" id="{7D6DBFC6-0F1D-130F-13A9-77DC71D59956}"/>
+                </a:ext>
+              </a:extLst>
+            </p:cNvPr>
+            <p:cNvSpPr/>
+            <p:nvPr/>
+          </p:nvSpPr>
+          <p:spPr>
+            <a:xfrm>
+              <a:off x="2505527" y="2541959"/>
+              <a:ext cx="2808590" cy="79833"/>
+            </a:xfrm>
+            <a:prstGeom prst="rect">
+              <a:avLst/>
+            </a:prstGeom>
+            <a:solidFill>
+              <a:srgbClr val="0C5F03"/>
+            </a:solidFill>
+            <a:ln>
+              <a:noFill/>
+            </a:ln>
+          </p:spPr>
+          <p:style>
+            <a:lnRef idx="2">
+              <a:schemeClr val="accent1">
+                <a:shade val="15000"/>
+              </a:schemeClr>
+            </a:lnRef>
+            <a:fillRef idx="1">
+              <a:schemeClr val="accent1"/>
+            </a:fillRef>
+            <a:effectRef idx="0">
+              <a:schemeClr val="accent1"/>
+            </a:effectRef>
+            <a:fontRef idx="minor">
+              <a:schemeClr val="lt1"/>
+            </a:fontRef>
+          </p:style>
+          <p:txBody>
+            <a:bodyPr rtlCol="0" anchor="ctr"/>
+            <a:lstStyle/>
+            <a:p>
+              <a:pPr algn="ctr"/>
+              <a:endParaRPr lang="zh-CN" altLang="en-US" sz="1890"/>
+            </a:p>
+          </p:txBody>
+        </p:sp>
+      </p:grpSp>
     </p:spTree>
     <p:extLst>
       <p:ext uri="{BB962C8B-B14F-4D97-AF65-F5344CB8AC3E}">
